--- a/RockHall_Andrew_Slides .pptx
+++ b/RockHall_Andrew_Slides .pptx
@@ -205,7 +205,7 @@
           <a:p>
             <a:fld id="{645B16B1-EC76-414C-BE2E-6A2A9376F94F}" type="datetimeFigureOut">
               <a:rPr lang="en-US" smtClean="0"/>
-              <a:t>10/26/2018</a:t>
+              <a:t>10/27/2018</a:t>
             </a:fld>
             <a:endParaRPr lang="en-US"/>
           </a:p>
@@ -603,7 +603,7 @@
           <a:p>
             <a:fld id="{F8F16AF3-5623-4ADF-A279-DFF06AFC7B8D}" type="datetimeFigureOut">
               <a:rPr lang="en-US" smtClean="0"/>
-              <a:t>10/25/2018</a:t>
+              <a:t>10/27/2018</a:t>
             </a:fld>
             <a:endParaRPr lang="en-US"/>
           </a:p>
@@ -773,7 +773,7 @@
           <a:p>
             <a:fld id="{F8F16AF3-5623-4ADF-A279-DFF06AFC7B8D}" type="datetimeFigureOut">
               <a:rPr lang="en-US" smtClean="0"/>
-              <a:t>10/25/2018</a:t>
+              <a:t>10/27/2018</a:t>
             </a:fld>
             <a:endParaRPr lang="en-US"/>
           </a:p>
@@ -953,7 +953,7 @@
           <a:p>
             <a:fld id="{F8F16AF3-5623-4ADF-A279-DFF06AFC7B8D}" type="datetimeFigureOut">
               <a:rPr lang="en-US" smtClean="0"/>
-              <a:t>10/25/2018</a:t>
+              <a:t>10/27/2018</a:t>
             </a:fld>
             <a:endParaRPr lang="en-US"/>
           </a:p>
@@ -1123,7 +1123,7 @@
           <a:p>
             <a:fld id="{F8F16AF3-5623-4ADF-A279-DFF06AFC7B8D}" type="datetimeFigureOut">
               <a:rPr lang="en-US" smtClean="0"/>
-              <a:t>10/25/2018</a:t>
+              <a:t>10/27/2018</a:t>
             </a:fld>
             <a:endParaRPr lang="en-US"/>
           </a:p>
@@ -1369,7 +1369,7 @@
           <a:p>
             <a:fld id="{F8F16AF3-5623-4ADF-A279-DFF06AFC7B8D}" type="datetimeFigureOut">
               <a:rPr lang="en-US" smtClean="0"/>
-              <a:t>10/25/2018</a:t>
+              <a:t>10/27/2018</a:t>
             </a:fld>
             <a:endParaRPr lang="en-US"/>
           </a:p>
@@ -1601,7 +1601,7 @@
           <a:p>
             <a:fld id="{F8F16AF3-5623-4ADF-A279-DFF06AFC7B8D}" type="datetimeFigureOut">
               <a:rPr lang="en-US" smtClean="0"/>
-              <a:t>10/25/2018</a:t>
+              <a:t>10/27/2018</a:t>
             </a:fld>
             <a:endParaRPr lang="en-US"/>
           </a:p>
@@ -1968,7 +1968,7 @@
           <a:p>
             <a:fld id="{F8F16AF3-5623-4ADF-A279-DFF06AFC7B8D}" type="datetimeFigureOut">
               <a:rPr lang="en-US" smtClean="0"/>
-              <a:t>10/25/2018</a:t>
+              <a:t>10/27/2018</a:t>
             </a:fld>
             <a:endParaRPr lang="en-US"/>
           </a:p>
@@ -2086,7 +2086,7 @@
           <a:p>
             <a:fld id="{F8F16AF3-5623-4ADF-A279-DFF06AFC7B8D}" type="datetimeFigureOut">
               <a:rPr lang="en-US" smtClean="0"/>
-              <a:t>10/25/2018</a:t>
+              <a:t>10/27/2018</a:t>
             </a:fld>
             <a:endParaRPr lang="en-US"/>
           </a:p>
@@ -2181,7 +2181,7 @@
           <a:p>
             <a:fld id="{F8F16AF3-5623-4ADF-A279-DFF06AFC7B8D}" type="datetimeFigureOut">
               <a:rPr lang="en-US" smtClean="0"/>
-              <a:t>10/25/2018</a:t>
+              <a:t>10/27/2018</a:t>
             </a:fld>
             <a:endParaRPr lang="en-US"/>
           </a:p>
@@ -2458,7 +2458,7 @@
           <a:p>
             <a:fld id="{F8F16AF3-5623-4ADF-A279-DFF06AFC7B8D}" type="datetimeFigureOut">
               <a:rPr lang="en-US" smtClean="0"/>
-              <a:t>10/25/2018</a:t>
+              <a:t>10/27/2018</a:t>
             </a:fld>
             <a:endParaRPr lang="en-US"/>
           </a:p>
@@ -2715,7 +2715,7 @@
           <a:p>
             <a:fld id="{F8F16AF3-5623-4ADF-A279-DFF06AFC7B8D}" type="datetimeFigureOut">
               <a:rPr lang="en-US" smtClean="0"/>
-              <a:t>10/25/2018</a:t>
+              <a:t>10/27/2018</a:t>
             </a:fld>
             <a:endParaRPr lang="en-US"/>
           </a:p>
@@ -2928,7 +2928,7 @@
           <a:p>
             <a:fld id="{F8F16AF3-5623-4ADF-A279-DFF06AFC7B8D}" type="datetimeFigureOut">
               <a:rPr lang="en-US" smtClean="0"/>
-              <a:t>10/25/2018</a:t>
+              <a:t>10/27/2018</a:t>
             </a:fld>
             <a:endParaRPr lang="en-US"/>
           </a:p>
@@ -3496,9 +3496,16 @@
           <a:bodyPr/>
           <a:lstStyle/>
           <a:p>
+            <a:pPr algn="ctr"/>
+            <a:r>
+              <a:rPr lang="en-US" dirty="0">
+                <a:latin typeface="Eurostile" panose="020B0704020202050204" pitchFamily="34" charset="0"/>
+              </a:rPr>
+              <a:t>Algorithms Used To Explore Our Model</a:t>
+            </a:r>
             <a:r>
               <a:rPr lang="en-US" dirty="0"/>
-              <a:t>Algorithms Used To Explore Our Model		</a:t>
+              <a:t>		</a:t>
             </a:r>
           </a:p>
         </p:txBody>
@@ -3527,31 +3534,41 @@
           <a:lstStyle/>
           <a:p>
             <a:r>
-              <a:rPr lang="en-US" sz="4800" dirty="0"/>
+              <a:rPr lang="en-US" sz="4800" dirty="0">
+                <a:latin typeface="Eurostile" panose="020B0704020202050204" pitchFamily="34" charset="0"/>
+              </a:rPr>
               <a:t>Logistic Regression</a:t>
             </a:r>
           </a:p>
           <a:p>
             <a:r>
-              <a:rPr lang="en-US" sz="4800" dirty="0"/>
+              <a:rPr lang="en-US" sz="4800" dirty="0">
+                <a:latin typeface="Eurostile" panose="020B0704020202050204" pitchFamily="34" charset="0"/>
+              </a:rPr>
               <a:t>Decision Trees</a:t>
             </a:r>
           </a:p>
           <a:p>
             <a:r>
-              <a:rPr lang="en-US" sz="4800" dirty="0"/>
+              <a:rPr lang="en-US" sz="4800" dirty="0">
+                <a:latin typeface="Eurostile" panose="020B0704020202050204" pitchFamily="34" charset="0"/>
+              </a:rPr>
               <a:t>Random Forest</a:t>
             </a:r>
           </a:p>
           <a:p>
             <a:r>
-              <a:rPr lang="en-US" sz="4800" dirty="0"/>
+              <a:rPr lang="en-US" sz="4800" dirty="0">
+                <a:latin typeface="Eurostile" panose="020B0704020202050204" pitchFamily="34" charset="0"/>
+              </a:rPr>
               <a:t>Support Vector Machines </a:t>
             </a:r>
           </a:p>
           <a:p>
             <a:r>
-              <a:rPr lang="en-US" sz="4800" dirty="0"/>
+              <a:rPr lang="en-US" sz="4800" dirty="0">
+                <a:latin typeface="Eurostile" panose="020B0704020202050204" pitchFamily="34" charset="0"/>
+              </a:rPr>
               <a:t>Naïve Bayes </a:t>
             </a:r>
           </a:p>
@@ -3994,7 +4011,7 @@
         <p:spPr>
           <a:xfrm>
             <a:off x="323557" y="844062"/>
-            <a:ext cx="8820443" cy="5401094"/>
+            <a:ext cx="8820443" cy="5632311"/>
           </a:xfrm>
           <a:prstGeom prst="rect">
             <a:avLst/>
@@ -4007,106 +4024,144 @@
           <a:lstStyle/>
           <a:p>
             <a:r>
-              <a:rPr lang="en-US" dirty="0"/>
+              <a:rPr lang="en-US" dirty="0">
+                <a:latin typeface="Eurostile" panose="020B0704020202050204" pitchFamily="34" charset="0"/>
+              </a:rPr>
               <a:t># Importing the libraries</a:t>
             </a:r>
           </a:p>
           <a:p>
             <a:r>
-              <a:rPr lang="en-US" dirty="0"/>
+              <a:rPr lang="en-US" dirty="0">
+                <a:latin typeface="Eurostile" panose="020B0704020202050204" pitchFamily="34" charset="0"/>
+              </a:rPr>
               <a:t>import numpy as np</a:t>
             </a:r>
           </a:p>
           <a:p>
             <a:r>
-              <a:rPr lang="en-US" dirty="0"/>
+              <a:rPr lang="en-US" dirty="0">
+                <a:latin typeface="Eurostile" panose="020B0704020202050204" pitchFamily="34" charset="0"/>
+              </a:rPr>
               <a:t>import matplotlib.pyplot as plt</a:t>
             </a:r>
           </a:p>
           <a:p>
             <a:r>
-              <a:rPr lang="en-US" dirty="0"/>
+              <a:rPr lang="en-US" dirty="0">
+                <a:latin typeface="Eurostile" panose="020B0704020202050204" pitchFamily="34" charset="0"/>
+              </a:rPr>
               <a:t>import pandas as pd</a:t>
             </a:r>
           </a:p>
           <a:p>
-            <a:endParaRPr lang="en-US" dirty="0"/>
-          </a:p>
-          <a:p>
-            <a:r>
-              <a:rPr lang="en-US" dirty="0"/>
+            <a:endParaRPr lang="en-US" dirty="0">
+              <a:latin typeface="Eurostile" panose="020B0704020202050204" pitchFamily="34" charset="0"/>
+            </a:endParaRPr>
+          </a:p>
+          <a:p>
+            <a:r>
+              <a:rPr lang="en-US" dirty="0">
+                <a:latin typeface="Eurostile" panose="020B0704020202050204" pitchFamily="34" charset="0"/>
+              </a:rPr>
               <a:t># Importing the dataset</a:t>
             </a:r>
           </a:p>
           <a:p>
             <a:r>
-              <a:rPr lang="en-US" dirty="0"/>
+              <a:rPr lang="en-US" dirty="0">
+                <a:latin typeface="Eurostile" panose="020B0704020202050204" pitchFamily="34" charset="0"/>
+              </a:rPr>
               <a:t>dataset = pd.read_csv(‘Example.csv')</a:t>
             </a:r>
           </a:p>
           <a:p>
             <a:r>
-              <a:rPr lang="en-US" dirty="0"/>
+              <a:rPr lang="en-US" dirty="0">
+                <a:latin typeface="Eurostile" panose="020B0704020202050204" pitchFamily="34" charset="0"/>
+              </a:rPr>
               <a:t>X = dataset.iloc[:, [specific column indexes here]].values</a:t>
             </a:r>
           </a:p>
           <a:p>
             <a:r>
-              <a:rPr lang="en-US" dirty="0"/>
+              <a:rPr lang="en-US" dirty="0">
+                <a:latin typeface="Eurostile" panose="020B0704020202050204" pitchFamily="34" charset="0"/>
+              </a:rPr>
               <a:t>y = dataset.iloc[:, specific column index here].values</a:t>
             </a:r>
           </a:p>
           <a:p>
-            <a:endParaRPr lang="en-US" dirty="0"/>
-          </a:p>
-          <a:p>
-            <a:r>
-              <a:rPr lang="en-US" dirty="0"/>
+            <a:endParaRPr lang="en-US" dirty="0">
+              <a:latin typeface="Eurostile" panose="020B0704020202050204" pitchFamily="34" charset="0"/>
+            </a:endParaRPr>
+          </a:p>
+          <a:p>
+            <a:r>
+              <a:rPr lang="en-US" dirty="0">
+                <a:latin typeface="Eurostile" panose="020B0704020202050204" pitchFamily="34" charset="0"/>
+              </a:rPr>
               <a:t># Splitting the dataset into the Training set and Test set</a:t>
             </a:r>
           </a:p>
           <a:p>
             <a:r>
-              <a:rPr lang="en-US" dirty="0"/>
+              <a:rPr lang="en-US" dirty="0">
+                <a:latin typeface="Eurostile" panose="020B0704020202050204" pitchFamily="34" charset="0"/>
+              </a:rPr>
               <a:t>from sklearn.cross_validation import train_test_split</a:t>
             </a:r>
           </a:p>
           <a:p>
             <a:r>
-              <a:rPr lang="en-US" dirty="0"/>
+              <a:rPr lang="en-US" dirty="0">
+                <a:latin typeface="Eurostile" panose="020B0704020202050204" pitchFamily="34" charset="0"/>
+              </a:rPr>
               <a:t>X_train, X_test, y_train, y_test = train_test_split(X, y, test_size = 0.30, random_state = 0)</a:t>
             </a:r>
           </a:p>
           <a:p>
-            <a:endParaRPr lang="en-US" dirty="0"/>
-          </a:p>
-          <a:p>
-            <a:r>
-              <a:rPr lang="en-US" dirty="0"/>
+            <a:endParaRPr lang="en-US" dirty="0">
+              <a:latin typeface="Eurostile" panose="020B0704020202050204" pitchFamily="34" charset="0"/>
+            </a:endParaRPr>
+          </a:p>
+          <a:p>
+            <a:r>
+              <a:rPr lang="en-US" dirty="0">
+                <a:latin typeface="Eurostile" panose="020B0704020202050204" pitchFamily="34" charset="0"/>
+              </a:rPr>
               <a:t># Feature Scaling</a:t>
             </a:r>
           </a:p>
           <a:p>
             <a:r>
-              <a:rPr lang="en-US" dirty="0"/>
+              <a:rPr lang="en-US" dirty="0">
+                <a:latin typeface="Eurostile" panose="020B0704020202050204" pitchFamily="34" charset="0"/>
+              </a:rPr>
               <a:t>from sklearn.preprocessing import StandardScaler</a:t>
             </a:r>
           </a:p>
           <a:p>
             <a:r>
-              <a:rPr lang="en-US" dirty="0"/>
+              <a:rPr lang="en-US" dirty="0">
+                <a:latin typeface="Eurostile" panose="020B0704020202050204" pitchFamily="34" charset="0"/>
+              </a:rPr>
               <a:t>sc = StandardScaler()</a:t>
             </a:r>
           </a:p>
           <a:p>
             <a:r>
-              <a:rPr lang="en-US" dirty="0"/>
+              <a:rPr lang="en-US" dirty="0">
+                <a:latin typeface="Eurostile" panose="020B0704020202050204" pitchFamily="34" charset="0"/>
+              </a:rPr>
               <a:t>X_train = sc.fit_transform(X_train)</a:t>
             </a:r>
           </a:p>
           <a:p>
             <a:r>
-              <a:rPr lang="en-US" dirty="0"/>
+              <a:rPr lang="en-US" dirty="0">
+                <a:latin typeface="Eurostile" panose="020B0704020202050204" pitchFamily="34" charset="0"/>
+              </a:rPr>
               <a:t>X_test = sc.transform(X_test)</a:t>
             </a:r>
           </a:p>
@@ -4141,7 +4196,9 @@
           <a:lstStyle/>
           <a:p>
             <a:r>
-              <a:rPr lang="en-US" sz="3200" dirty="0"/>
+              <a:rPr lang="en-US" sz="3200" dirty="0">
+                <a:latin typeface="Eurostile" panose="020B0704020202050204" pitchFamily="34" charset="0"/>
+              </a:rPr>
               <a:t>Code Template: </a:t>
             </a:r>
           </a:p>
